--- a/Formats/Master Page.pptx
+++ b/Formats/Master Page.pptx
@@ -7274,15 +7274,7 @@
           <a:p>
             <a:r>
               <a:rPr lang="en-US" dirty="0" smtClean="0"/>
-              <a:t>Type in  </a:t>
-            </a:r>
-            <a:r>
-              <a:rPr lang="en-US" dirty="0" smtClean="0"/>
-              <a:t>			and </a:t>
-            </a:r>
-            <a:r>
-              <a:rPr lang="en-US" dirty="0" smtClean="0"/>
-              <a:t>press Enter.</a:t>
+              <a:t>Type in  			and press Enter.</a:t>
             </a:r>
           </a:p>
           <a:p>
@@ -7548,7 +7540,15 @@
             </a:r>
             <a:r>
               <a:rPr lang="en-US" dirty="0"/>
-              <a:t>the &lt;your email&gt; part with your own email, so it looks like this</a:t>
+              <a:t>the </a:t>
+            </a:r>
+            <a:r>
+              <a:rPr lang="en-US" dirty="0" smtClean="0"/>
+              <a:t>&lt;your email&gt; part </a:t>
+            </a:r>
+            <a:r>
+              <a:rPr lang="en-US" dirty="0"/>
+              <a:t>with your own email, so it looks like this</a:t>
             </a:r>
             <a:r>
               <a:rPr lang="en-US" dirty="0" smtClean="0"/>
@@ -7703,13 +7703,6 @@
               </a:rPr>
               <a:t>"jacetan93@gmail.com"</a:t>
             </a:r>
-            <a:endParaRPr lang="en-US" b="1" dirty="0">
-              <a:solidFill>
-                <a:srgbClr val="92D050"/>
-              </a:solidFill>
-              <a:latin typeface="Arial" pitchFamily="34" charset="0"/>
-              <a:cs typeface="Arial" pitchFamily="34" charset="0"/>
-            </a:endParaRPr>
           </a:p>
         </p:txBody>
       </p:sp>
@@ -7721,8 +7714,8 @@
         </p:nvSpPr>
         <p:spPr>
           <a:xfrm>
-            <a:off x="2078030" y="1772816"/>
-            <a:ext cx="2958930" cy="360040"/>
+            <a:off x="1835696" y="1772816"/>
+            <a:ext cx="3862122" cy="360040"/>
           </a:xfrm>
           <a:prstGeom prst="rect">
             <a:avLst/>
@@ -7793,7 +7786,21 @@
                 <a:latin typeface="Arial" pitchFamily="34" charset="0"/>
                 <a:cs typeface="Arial" pitchFamily="34" charset="0"/>
               </a:rPr>
-              <a:t>  -C</a:t>
+              <a:t>  -</a:t>
+            </a:r>
+            <a:r>
+              <a:rPr lang="en-US" b="1" dirty="0" smtClean="0">
+                <a:solidFill>
+                  <a:srgbClr val="92D050"/>
+                </a:solidFill>
+                <a:latin typeface="Arial" pitchFamily="34" charset="0"/>
+                <a:cs typeface="Arial" pitchFamily="34" charset="0"/>
+              </a:rPr>
+              <a:t>C </a:t>
+            </a:r>
+            <a:r>
+              <a:rPr lang="en-US" b="1" dirty="0"/>
+              <a:t>&lt;your email&gt;</a:t>
             </a:r>
             <a:endParaRPr lang="en-US" b="1" dirty="0">
               <a:solidFill>
